--- a/Big DATA Technology.pptx
+++ b/Big DATA Technology.pptx
@@ -9,38 +9,39 @@
     <p:sldId id="266" r:id="rId3"/>
     <p:sldId id="268" r:id="rId4"/>
     <p:sldId id="267" r:id="rId5"/>
-    <p:sldId id="274" r:id="rId6"/>
-    <p:sldId id="275" r:id="rId7"/>
-    <p:sldId id="276" r:id="rId8"/>
-    <p:sldId id="269" r:id="rId9"/>
-    <p:sldId id="270" r:id="rId10"/>
-    <p:sldId id="271" r:id="rId11"/>
-    <p:sldId id="272" r:id="rId12"/>
-    <p:sldId id="273" r:id="rId13"/>
-    <p:sldId id="277" r:id="rId14"/>
-    <p:sldId id="278" r:id="rId15"/>
-    <p:sldId id="289" r:id="rId16"/>
-    <p:sldId id="279" r:id="rId17"/>
-    <p:sldId id="280" r:id="rId18"/>
-    <p:sldId id="281" r:id="rId19"/>
-    <p:sldId id="283" r:id="rId20"/>
-    <p:sldId id="282" r:id="rId21"/>
-    <p:sldId id="285" r:id="rId22"/>
-    <p:sldId id="286" r:id="rId23"/>
-    <p:sldId id="290" r:id="rId24"/>
-    <p:sldId id="291" r:id="rId25"/>
-    <p:sldId id="292" r:id="rId26"/>
-    <p:sldId id="287" r:id="rId27"/>
-    <p:sldId id="288" r:id="rId28"/>
-    <p:sldId id="257" r:id="rId29"/>
-    <p:sldId id="258" r:id="rId30"/>
-    <p:sldId id="259" r:id="rId31"/>
-    <p:sldId id="260" r:id="rId32"/>
-    <p:sldId id="261" r:id="rId33"/>
-    <p:sldId id="262" r:id="rId34"/>
-    <p:sldId id="263" r:id="rId35"/>
-    <p:sldId id="264" r:id="rId36"/>
-    <p:sldId id="265" r:id="rId37"/>
+    <p:sldId id="293" r:id="rId6"/>
+    <p:sldId id="274" r:id="rId7"/>
+    <p:sldId id="275" r:id="rId8"/>
+    <p:sldId id="276" r:id="rId9"/>
+    <p:sldId id="269" r:id="rId10"/>
+    <p:sldId id="270" r:id="rId11"/>
+    <p:sldId id="271" r:id="rId12"/>
+    <p:sldId id="272" r:id="rId13"/>
+    <p:sldId id="273" r:id="rId14"/>
+    <p:sldId id="277" r:id="rId15"/>
+    <p:sldId id="278" r:id="rId16"/>
+    <p:sldId id="289" r:id="rId17"/>
+    <p:sldId id="279" r:id="rId18"/>
+    <p:sldId id="280" r:id="rId19"/>
+    <p:sldId id="281" r:id="rId20"/>
+    <p:sldId id="283" r:id="rId21"/>
+    <p:sldId id="282" r:id="rId22"/>
+    <p:sldId id="285" r:id="rId23"/>
+    <p:sldId id="286" r:id="rId24"/>
+    <p:sldId id="290" r:id="rId25"/>
+    <p:sldId id="291" r:id="rId26"/>
+    <p:sldId id="292" r:id="rId27"/>
+    <p:sldId id="287" r:id="rId28"/>
+    <p:sldId id="288" r:id="rId29"/>
+    <p:sldId id="257" r:id="rId30"/>
+    <p:sldId id="258" r:id="rId31"/>
+    <p:sldId id="259" r:id="rId32"/>
+    <p:sldId id="260" r:id="rId33"/>
+    <p:sldId id="261" r:id="rId34"/>
+    <p:sldId id="262" r:id="rId35"/>
+    <p:sldId id="263" r:id="rId36"/>
+    <p:sldId id="264" r:id="rId37"/>
+    <p:sldId id="265" r:id="rId38"/>
   </p:sldIdLst>
   <p:sldSz cx="12192000" cy="6858000"/>
   <p:notesSz cx="6858000" cy="9144000"/>
@@ -1650,7 +1651,7 @@
             <a:fld id="{B61BEF0D-F0BB-DE4B-95CE-6DB70DBA9567}" type="datetimeFigureOut">
               <a:rPr lang="en-US" dirty="0"/>
               <a:pPr/>
-              <a:t>11/17/2019</a:t>
+              <a:t>11/18/2019</a:t>
             </a:fld>
             <a:endParaRPr lang="en-US" dirty="0"/>
           </a:p>
@@ -1981,7 +1982,7 @@
             <a:fld id="{B61BEF0D-F0BB-DE4B-95CE-6DB70DBA9567}" type="datetimeFigureOut">
               <a:rPr lang="en-US" dirty="0"/>
               <a:pPr/>
-              <a:t>11/17/2019</a:t>
+              <a:t>11/18/2019</a:t>
             </a:fld>
             <a:endParaRPr lang="en-US" dirty="0"/>
           </a:p>
@@ -2256,7 +2257,7 @@
             <a:fld id="{B61BEF0D-F0BB-DE4B-95CE-6DB70DBA9567}" type="datetimeFigureOut">
               <a:rPr lang="en-US" dirty="0"/>
               <a:pPr/>
-              <a:t>11/17/2019</a:t>
+              <a:t>11/18/2019</a:t>
             </a:fld>
             <a:endParaRPr lang="en-US" dirty="0"/>
           </a:p>
@@ -2821,7 +2822,7 @@
             <a:fld id="{B61BEF0D-F0BB-DE4B-95CE-6DB70DBA9567}" type="datetimeFigureOut">
               <a:rPr lang="en-US" dirty="0"/>
               <a:pPr/>
-              <a:t>11/17/2019</a:t>
+              <a:t>11/18/2019</a:t>
             </a:fld>
             <a:endParaRPr lang="en-US" dirty="0"/>
           </a:p>
@@ -3096,7 +3097,7 @@
             <a:fld id="{B61BEF0D-F0BB-DE4B-95CE-6DB70DBA9567}" type="datetimeFigureOut">
               <a:rPr lang="en-US" dirty="0"/>
               <a:pPr/>
-              <a:t>11/17/2019</a:t>
+              <a:t>11/18/2019</a:t>
             </a:fld>
             <a:endParaRPr lang="en-US" dirty="0"/>
           </a:p>
@@ -3655,7 +3656,7 @@
             <a:fld id="{B61BEF0D-F0BB-DE4B-95CE-6DB70DBA9567}" type="datetimeFigureOut">
               <a:rPr lang="en-US" dirty="0"/>
               <a:pPr/>
-              <a:t>11/17/2019</a:t>
+              <a:t>11/18/2019</a:t>
             </a:fld>
             <a:endParaRPr lang="en-US" dirty="0"/>
           </a:p>
@@ -3979,7 +3980,7 @@
             <a:fld id="{B61BEF0D-F0BB-DE4B-95CE-6DB70DBA9567}" type="datetimeFigureOut">
               <a:rPr lang="en-US" dirty="0"/>
               <a:pPr/>
-              <a:t>11/17/2019</a:t>
+              <a:t>11/18/2019</a:t>
             </a:fld>
             <a:endParaRPr lang="en-US" dirty="0"/>
           </a:p>
@@ -4153,7 +4154,7 @@
             <a:fld id="{B61BEF0D-F0BB-DE4B-95CE-6DB70DBA9567}" type="datetimeFigureOut">
               <a:rPr lang="en-US" dirty="0"/>
               <a:pPr/>
-              <a:t>11/17/2019</a:t>
+              <a:t>11/18/2019</a:t>
             </a:fld>
             <a:endParaRPr lang="en-US" dirty="0"/>
           </a:p>
@@ -4388,7 +4389,7 @@
             <a:fld id="{B61BEF0D-F0BB-DE4B-95CE-6DB70DBA9567}" type="datetimeFigureOut">
               <a:rPr lang="en-US" dirty="0"/>
               <a:pPr/>
-              <a:t>11/17/2019</a:t>
+              <a:t>11/18/2019</a:t>
             </a:fld>
             <a:endParaRPr lang="en-US" dirty="0"/>
           </a:p>
@@ -4585,7 +4586,7 @@
             <a:fld id="{B61BEF0D-F0BB-DE4B-95CE-6DB70DBA9567}" type="datetimeFigureOut">
               <a:rPr lang="en-US" dirty="0"/>
               <a:pPr/>
-              <a:t>11/17/2019</a:t>
+              <a:t>11/18/2019</a:t>
             </a:fld>
             <a:endParaRPr lang="en-US" dirty="0"/>
           </a:p>
@@ -4858,7 +4859,7 @@
             <a:fld id="{B61BEF0D-F0BB-DE4B-95CE-6DB70DBA9567}" type="datetimeFigureOut">
               <a:rPr lang="en-US" dirty="0"/>
               <a:pPr/>
-              <a:t>11/17/2019</a:t>
+              <a:t>11/18/2019</a:t>
             </a:fld>
             <a:endParaRPr lang="en-US" dirty="0"/>
           </a:p>
@@ -5121,7 +5122,7 @@
             <a:fld id="{B61BEF0D-F0BB-DE4B-95CE-6DB70DBA9567}" type="datetimeFigureOut">
               <a:rPr lang="en-US" dirty="0"/>
               <a:pPr/>
-              <a:t>11/17/2019</a:t>
+              <a:t>11/18/2019</a:t>
             </a:fld>
             <a:endParaRPr lang="en-US" dirty="0"/>
           </a:p>
@@ -5492,7 +5493,7 @@
             <a:fld id="{B61BEF0D-F0BB-DE4B-95CE-6DB70DBA9567}" type="datetimeFigureOut">
               <a:rPr lang="en-US" dirty="0"/>
               <a:pPr/>
-              <a:t>11/17/2019</a:t>
+              <a:t>11/18/2019</a:t>
             </a:fld>
             <a:endParaRPr lang="en-US" dirty="0"/>
           </a:p>
@@ -5637,7 +5638,7 @@
             <a:fld id="{B61BEF0D-F0BB-DE4B-95CE-6DB70DBA9567}" type="datetimeFigureOut">
               <a:rPr lang="en-US" dirty="0"/>
               <a:pPr/>
-              <a:t>11/17/2019</a:t>
+              <a:t>11/18/2019</a:t>
             </a:fld>
             <a:endParaRPr lang="en-US" dirty="0"/>
           </a:p>
@@ -5759,7 +5760,7 @@
             <a:fld id="{B61BEF0D-F0BB-DE4B-95CE-6DB70DBA9567}" type="datetimeFigureOut">
               <a:rPr lang="en-US" dirty="0"/>
               <a:pPr/>
-              <a:t>11/17/2019</a:t>
+              <a:t>11/18/2019</a:t>
             </a:fld>
             <a:endParaRPr lang="en-US" dirty="0"/>
           </a:p>
@@ -6041,7 +6042,7 @@
             <a:fld id="{B61BEF0D-F0BB-DE4B-95CE-6DB70DBA9567}" type="datetimeFigureOut">
               <a:rPr lang="en-US" dirty="0"/>
               <a:pPr/>
-              <a:t>11/17/2019</a:t>
+              <a:t>11/18/2019</a:t>
             </a:fld>
             <a:endParaRPr lang="en-US" dirty="0"/>
           </a:p>
@@ -6362,7 +6363,7 @@
             <a:fld id="{B61BEF0D-F0BB-DE4B-95CE-6DB70DBA9567}" type="datetimeFigureOut">
               <a:rPr lang="en-US" dirty="0"/>
               <a:pPr/>
-              <a:t>11/17/2019</a:t>
+              <a:t>11/18/2019</a:t>
             </a:fld>
             <a:endParaRPr lang="en-US" dirty="0"/>
           </a:p>
@@ -6573,7 +6574,7 @@
             <a:fld id="{B61BEF0D-F0BB-DE4B-95CE-6DB70DBA9567}" type="datetimeFigureOut">
               <a:rPr lang="en-US" dirty="0"/>
               <a:pPr/>
-              <a:t>11/17/2019</a:t>
+              <a:t>11/18/2019</a:t>
             </a:fld>
             <a:endParaRPr lang="en-US" dirty="0"/>
           </a:p>
@@ -7178,6 +7179,97 @@
           <p:cNvPr id="2" name="标题 1">
             <a:extLst>
               <a:ext uri="{FF2B5EF4-FFF2-40B4-BE49-F238E27FC236}">
+                <a16:creationId xmlns:a16="http://schemas.microsoft.com/office/drawing/2014/main" id="{DD7A4F5A-9A35-46EF-A3B3-A9A17D76D2DF}"/>
+              </a:ext>
+            </a:extLst>
+          </p:cNvPr>
+          <p:cNvSpPr>
+            <a:spLocks noGrp="1"/>
+          </p:cNvSpPr>
+          <p:nvPr>
+            <p:ph type="title"/>
+          </p:nvPr>
+        </p:nvSpPr>
+        <p:spPr/>
+        <p:txBody>
+          <a:bodyPr/>
+          <a:lstStyle/>
+          <a:p>
+            <a:r>
+              <a:rPr lang="en-US" altLang="zh-CN" dirty="0"/>
+              <a:t>Java code In Mapper Average Mapper 2</a:t>
+            </a:r>
+            <a:endParaRPr lang="zh-CN" altLang="en-US" dirty="0"/>
+          </a:p>
+        </p:txBody>
+      </p:sp>
+      <p:pic>
+        <p:nvPicPr>
+          <p:cNvPr id="4" name="内容占位符 3">
+            <a:extLst>
+              <a:ext uri="{FF2B5EF4-FFF2-40B4-BE49-F238E27FC236}">
+                <a16:creationId xmlns:a16="http://schemas.microsoft.com/office/drawing/2014/main" id="{046A36AF-2643-4FCA-9FE9-BDE52A1D03C3}"/>
+              </a:ext>
+            </a:extLst>
+          </p:cNvPr>
+          <p:cNvPicPr>
+            <a:picLocks noGrp="1" noChangeAspect="1"/>
+          </p:cNvPicPr>
+          <p:nvPr>
+            <p:ph idx="1"/>
+          </p:nvPr>
+        </p:nvPicPr>
+        <p:blipFill>
+          <a:blip r:embed="rId2"/>
+          <a:stretch>
+            <a:fillRect/>
+          </a:stretch>
+        </p:blipFill>
+        <p:spPr>
+          <a:xfrm>
+            <a:off x="389049" y="1765618"/>
+            <a:ext cx="11335173" cy="4340542"/>
+          </a:xfrm>
+          <a:prstGeom prst="rect">
+            <a:avLst/>
+          </a:prstGeom>
+        </p:spPr>
+      </p:pic>
+    </p:spTree>
+    <p:extLst>
+      <p:ext uri="{BB962C8B-B14F-4D97-AF65-F5344CB8AC3E}">
+        <p14:creationId xmlns:p14="http://schemas.microsoft.com/office/powerpoint/2010/main" val="150125918"/>
+      </p:ext>
+    </p:extLst>
+  </p:cSld>
+  <p:clrMapOvr>
+    <a:masterClrMapping/>
+  </p:clrMapOvr>
+</p:sld>
+</file>
+
+<file path=ppt/slides/slide11.xml><?xml version="1.0" encoding="utf-8"?>
+<p:sld xmlns:a="http://schemas.openxmlformats.org/drawingml/2006/main" xmlns:r="http://schemas.openxmlformats.org/officeDocument/2006/relationships" xmlns:p="http://schemas.openxmlformats.org/presentationml/2006/main">
+  <p:cSld>
+    <p:spTree>
+      <p:nvGrpSpPr>
+        <p:cNvPr id="1" name=""/>
+        <p:cNvGrpSpPr/>
+        <p:nvPr/>
+      </p:nvGrpSpPr>
+      <p:grpSpPr>
+        <a:xfrm>
+          <a:off x="0" y="0"/>
+          <a:ext cx="0" cy="0"/>
+          <a:chOff x="0" y="0"/>
+          <a:chExt cx="0" cy="0"/>
+        </a:xfrm>
+      </p:grpSpPr>
+      <p:sp>
+        <p:nvSpPr>
+          <p:cNvPr id="2" name="标题 1">
+            <a:extLst>
+              <a:ext uri="{FF2B5EF4-FFF2-40B4-BE49-F238E27FC236}">
                 <a16:creationId xmlns:a16="http://schemas.microsoft.com/office/drawing/2014/main" id="{1945CC92-D164-4EF9-A867-8116306E610B}"/>
               </a:ext>
             </a:extLst>
@@ -7247,7 +7339,7 @@
 </p:sld>
 </file>
 
-<file path=ppt/slides/slide11.xml><?xml version="1.0" encoding="utf-8"?>
+<file path=ppt/slides/slide12.xml><?xml version="1.0" encoding="utf-8"?>
 <p:sld xmlns:a="http://schemas.openxmlformats.org/drawingml/2006/main" xmlns:r="http://schemas.openxmlformats.org/officeDocument/2006/relationships" xmlns:p="http://schemas.openxmlformats.org/presentationml/2006/main">
   <p:cSld>
     <p:spTree>
@@ -7338,7 +7430,7 @@
 </p:sld>
 </file>
 
-<file path=ppt/slides/slide12.xml><?xml version="1.0" encoding="utf-8"?>
+<file path=ppt/slides/slide13.xml><?xml version="1.0" encoding="utf-8"?>
 <p:sld xmlns:a="http://schemas.openxmlformats.org/drawingml/2006/main" xmlns:r="http://schemas.openxmlformats.org/officeDocument/2006/relationships" xmlns:p="http://schemas.openxmlformats.org/presentationml/2006/main">
   <p:cSld>
     <p:spTree>
@@ -7429,7 +7521,7 @@
 </p:sld>
 </file>
 
-<file path=ppt/slides/slide13.xml><?xml version="1.0" encoding="utf-8"?>
+<file path=ppt/slides/slide14.xml><?xml version="1.0" encoding="utf-8"?>
 <p:sld xmlns:a="http://schemas.openxmlformats.org/drawingml/2006/main" xmlns:r="http://schemas.openxmlformats.org/officeDocument/2006/relationships" xmlns:p="http://schemas.openxmlformats.org/presentationml/2006/main">
   <p:cSld>
     <p:spTree>
@@ -7672,7 +7764,7 @@
 </p:sld>
 </file>
 
-<file path=ppt/slides/slide14.xml><?xml version="1.0" encoding="utf-8"?>
+<file path=ppt/slides/slide15.xml><?xml version="1.0" encoding="utf-8"?>
 <p:sld xmlns:a="http://schemas.openxmlformats.org/drawingml/2006/main" xmlns:r="http://schemas.openxmlformats.org/officeDocument/2006/relationships" xmlns:p="http://schemas.openxmlformats.org/presentationml/2006/main">
   <p:cSld>
     <p:spTree>
@@ -7761,7 +7853,7 @@
 </p:sld>
 </file>
 
-<file path=ppt/slides/slide15.xml><?xml version="1.0" encoding="utf-8"?>
+<file path=ppt/slides/slide16.xml><?xml version="1.0" encoding="utf-8"?>
 <p:sld xmlns:a="http://schemas.openxmlformats.org/drawingml/2006/main" xmlns:r="http://schemas.openxmlformats.org/officeDocument/2006/relationships" xmlns:p="http://schemas.openxmlformats.org/presentationml/2006/main">
   <p:cSld>
     <p:spTree>
@@ -7880,7 +7972,7 @@
 </p:sld>
 </file>
 
-<file path=ppt/slides/slide16.xml><?xml version="1.0" encoding="utf-8"?>
+<file path=ppt/slides/slide17.xml><?xml version="1.0" encoding="utf-8"?>
 <p:sld xmlns:a="http://schemas.openxmlformats.org/drawingml/2006/main" xmlns:r="http://schemas.openxmlformats.org/officeDocument/2006/relationships" xmlns:p="http://schemas.openxmlformats.org/presentationml/2006/main">
   <p:cSld>
     <p:spTree>
@@ -8024,7 +8116,7 @@
 </p:sld>
 </file>
 
-<file path=ppt/slides/slide17.xml><?xml version="1.0" encoding="utf-8"?>
+<file path=ppt/slides/slide18.xml><?xml version="1.0" encoding="utf-8"?>
 <p:sld xmlns:a="http://schemas.openxmlformats.org/drawingml/2006/main" xmlns:r="http://schemas.openxmlformats.org/officeDocument/2006/relationships" xmlns:p="http://schemas.openxmlformats.org/presentationml/2006/main">
   <p:cSld>
     <p:spTree>
@@ -8270,7 +8362,7 @@
 </p:sld>
 </file>
 
-<file path=ppt/slides/slide18.xml><?xml version="1.0" encoding="utf-8"?>
+<file path=ppt/slides/slide19.xml><?xml version="1.0" encoding="utf-8"?>
 <p:sld xmlns:a="http://schemas.openxmlformats.org/drawingml/2006/main" xmlns:r="http://schemas.openxmlformats.org/officeDocument/2006/relationships" xmlns:p="http://schemas.openxmlformats.org/presentationml/2006/main">
   <p:cSld>
     <p:spTree>
@@ -8359,127 +8451,6 @@
     <p:extLst>
       <p:ext uri="{BB962C8B-B14F-4D97-AF65-F5344CB8AC3E}">
         <p14:creationId xmlns:p14="http://schemas.microsoft.com/office/powerpoint/2010/main" val="1649817672"/>
-      </p:ext>
-    </p:extLst>
-  </p:cSld>
-  <p:clrMapOvr>
-    <a:masterClrMapping/>
-  </p:clrMapOvr>
-</p:sld>
-</file>
-
-<file path=ppt/slides/slide19.xml><?xml version="1.0" encoding="utf-8"?>
-<p:sld xmlns:a="http://schemas.openxmlformats.org/drawingml/2006/main" xmlns:r="http://schemas.openxmlformats.org/officeDocument/2006/relationships" xmlns:p="http://schemas.openxmlformats.org/presentationml/2006/main">
-  <p:cSld>
-    <p:spTree>
-      <p:nvGrpSpPr>
-        <p:cNvPr id="1" name=""/>
-        <p:cNvGrpSpPr/>
-        <p:nvPr/>
-      </p:nvGrpSpPr>
-      <p:grpSpPr>
-        <a:xfrm>
-          <a:off x="0" y="0"/>
-          <a:ext cx="0" cy="0"/>
-          <a:chOff x="0" y="0"/>
-          <a:chExt cx="0" cy="0"/>
-        </a:xfrm>
-      </p:grpSpPr>
-      <p:sp>
-        <p:nvSpPr>
-          <p:cNvPr id="2" name="标题 1">
-            <a:extLst>
-              <a:ext uri="{FF2B5EF4-FFF2-40B4-BE49-F238E27FC236}">
-                <a16:creationId xmlns:a16="http://schemas.microsoft.com/office/drawing/2014/main" id="{97A3FBA5-142F-43EC-87AB-797C5C21C88D}"/>
-              </a:ext>
-            </a:extLst>
-          </p:cNvPr>
-          <p:cNvSpPr>
-            <a:spLocks noGrp="1"/>
-          </p:cNvSpPr>
-          <p:nvPr>
-            <p:ph type="title"/>
-          </p:nvPr>
-        </p:nvSpPr>
-        <p:spPr>
-          <a:xfrm>
-            <a:off x="685801" y="205340"/>
-            <a:ext cx="10131425" cy="622434"/>
-          </a:xfrm>
-        </p:spPr>
-        <p:txBody>
-          <a:bodyPr>
-            <a:normAutofit fontScale="90000"/>
-          </a:bodyPr>
-          <a:lstStyle/>
-          <a:p>
-            <a:r>
-              <a:rPr lang="en-US" altLang="zh-CN" dirty="0"/>
-              <a:t> Java code for STRIPE approach reducer</a:t>
-            </a:r>
-            <a:endParaRPr lang="zh-CN" altLang="en-US" dirty="0"/>
-          </a:p>
-        </p:txBody>
-      </p:sp>
-      <p:sp>
-        <p:nvSpPr>
-          <p:cNvPr id="3" name="内容占位符 2">
-            <a:extLst>
-              <a:ext uri="{FF2B5EF4-FFF2-40B4-BE49-F238E27FC236}">
-                <a16:creationId xmlns:a16="http://schemas.microsoft.com/office/drawing/2014/main" id="{AF8D1AEC-9853-420D-A0F2-882426A302B8}"/>
-              </a:ext>
-            </a:extLst>
-          </p:cNvPr>
-          <p:cNvSpPr>
-            <a:spLocks noGrp="1"/>
-          </p:cNvSpPr>
-          <p:nvPr>
-            <p:ph idx="1"/>
-          </p:nvPr>
-        </p:nvSpPr>
-        <p:spPr/>
-        <p:txBody>
-          <a:bodyPr/>
-          <a:lstStyle/>
-          <a:p>
-            <a:endParaRPr lang="zh-CN" altLang="en-US"/>
-          </a:p>
-        </p:txBody>
-      </p:sp>
-      <p:pic>
-        <p:nvPicPr>
-          <p:cNvPr id="4" name="图片 3">
-            <a:extLst>
-              <a:ext uri="{FF2B5EF4-FFF2-40B4-BE49-F238E27FC236}">
-                <a16:creationId xmlns:a16="http://schemas.microsoft.com/office/drawing/2014/main" id="{D7C0F205-7080-4195-B2EF-FC4BDE963FEE}"/>
-              </a:ext>
-            </a:extLst>
-          </p:cNvPr>
-          <p:cNvPicPr>
-            <a:picLocks noChangeAspect="1"/>
-          </p:cNvPicPr>
-          <p:nvPr/>
-        </p:nvPicPr>
-        <p:blipFill>
-          <a:blip r:embed="rId2"/>
-          <a:stretch>
-            <a:fillRect/>
-          </a:stretch>
-        </p:blipFill>
-        <p:spPr>
-          <a:xfrm>
-            <a:off x="0" y="940741"/>
-            <a:ext cx="12192000" cy="5917259"/>
-          </a:xfrm>
-          <a:prstGeom prst="rect">
-            <a:avLst/>
-          </a:prstGeom>
-        </p:spPr>
-      </p:pic>
-    </p:spTree>
-    <p:extLst>
-      <p:ext uri="{BB962C8B-B14F-4D97-AF65-F5344CB8AC3E}">
-        <p14:creationId xmlns:p14="http://schemas.microsoft.com/office/powerpoint/2010/main" val="2290354116"/>
       </p:ext>
     </p:extLst>
   </p:cSld>
@@ -8592,6 +8563,127 @@
 </file>
 
 <file path=ppt/slides/slide20.xml><?xml version="1.0" encoding="utf-8"?>
+<p:sld xmlns:a="http://schemas.openxmlformats.org/drawingml/2006/main" xmlns:r="http://schemas.openxmlformats.org/officeDocument/2006/relationships" xmlns:p="http://schemas.openxmlformats.org/presentationml/2006/main">
+  <p:cSld>
+    <p:spTree>
+      <p:nvGrpSpPr>
+        <p:cNvPr id="1" name=""/>
+        <p:cNvGrpSpPr/>
+        <p:nvPr/>
+      </p:nvGrpSpPr>
+      <p:grpSpPr>
+        <a:xfrm>
+          <a:off x="0" y="0"/>
+          <a:ext cx="0" cy="0"/>
+          <a:chOff x="0" y="0"/>
+          <a:chExt cx="0" cy="0"/>
+        </a:xfrm>
+      </p:grpSpPr>
+      <p:sp>
+        <p:nvSpPr>
+          <p:cNvPr id="2" name="标题 1">
+            <a:extLst>
+              <a:ext uri="{FF2B5EF4-FFF2-40B4-BE49-F238E27FC236}">
+                <a16:creationId xmlns:a16="http://schemas.microsoft.com/office/drawing/2014/main" id="{97A3FBA5-142F-43EC-87AB-797C5C21C88D}"/>
+              </a:ext>
+            </a:extLst>
+          </p:cNvPr>
+          <p:cNvSpPr>
+            <a:spLocks noGrp="1"/>
+          </p:cNvSpPr>
+          <p:nvPr>
+            <p:ph type="title"/>
+          </p:nvPr>
+        </p:nvSpPr>
+        <p:spPr>
+          <a:xfrm>
+            <a:off x="685801" y="205340"/>
+            <a:ext cx="10131425" cy="622434"/>
+          </a:xfrm>
+        </p:spPr>
+        <p:txBody>
+          <a:bodyPr>
+            <a:normAutofit fontScale="90000"/>
+          </a:bodyPr>
+          <a:lstStyle/>
+          <a:p>
+            <a:r>
+              <a:rPr lang="en-US" altLang="zh-CN" dirty="0"/>
+              <a:t> Java code for STRIPE approach reducer</a:t>
+            </a:r>
+            <a:endParaRPr lang="zh-CN" altLang="en-US" dirty="0"/>
+          </a:p>
+        </p:txBody>
+      </p:sp>
+      <p:sp>
+        <p:nvSpPr>
+          <p:cNvPr id="3" name="内容占位符 2">
+            <a:extLst>
+              <a:ext uri="{FF2B5EF4-FFF2-40B4-BE49-F238E27FC236}">
+                <a16:creationId xmlns:a16="http://schemas.microsoft.com/office/drawing/2014/main" id="{AF8D1AEC-9853-420D-A0F2-882426A302B8}"/>
+              </a:ext>
+            </a:extLst>
+          </p:cNvPr>
+          <p:cNvSpPr>
+            <a:spLocks noGrp="1"/>
+          </p:cNvSpPr>
+          <p:nvPr>
+            <p:ph idx="1"/>
+          </p:nvPr>
+        </p:nvSpPr>
+        <p:spPr/>
+        <p:txBody>
+          <a:bodyPr/>
+          <a:lstStyle/>
+          <a:p>
+            <a:endParaRPr lang="zh-CN" altLang="en-US"/>
+          </a:p>
+        </p:txBody>
+      </p:sp>
+      <p:pic>
+        <p:nvPicPr>
+          <p:cNvPr id="4" name="图片 3">
+            <a:extLst>
+              <a:ext uri="{FF2B5EF4-FFF2-40B4-BE49-F238E27FC236}">
+                <a16:creationId xmlns:a16="http://schemas.microsoft.com/office/drawing/2014/main" id="{D7C0F205-7080-4195-B2EF-FC4BDE963FEE}"/>
+              </a:ext>
+            </a:extLst>
+          </p:cNvPr>
+          <p:cNvPicPr>
+            <a:picLocks noChangeAspect="1"/>
+          </p:cNvPicPr>
+          <p:nvPr/>
+        </p:nvPicPr>
+        <p:blipFill>
+          <a:blip r:embed="rId2"/>
+          <a:stretch>
+            <a:fillRect/>
+          </a:stretch>
+        </p:blipFill>
+        <p:spPr>
+          <a:xfrm>
+            <a:off x="0" y="940741"/>
+            <a:ext cx="12192000" cy="5917259"/>
+          </a:xfrm>
+          <a:prstGeom prst="rect">
+            <a:avLst/>
+          </a:prstGeom>
+        </p:spPr>
+      </p:pic>
+    </p:spTree>
+    <p:extLst>
+      <p:ext uri="{BB962C8B-B14F-4D97-AF65-F5344CB8AC3E}">
+        <p14:creationId xmlns:p14="http://schemas.microsoft.com/office/powerpoint/2010/main" val="2290354116"/>
+      </p:ext>
+    </p:extLst>
+  </p:cSld>
+  <p:clrMapOvr>
+    <a:masterClrMapping/>
+  </p:clrMapOvr>
+</p:sld>
+</file>
+
+<file path=ppt/slides/slide21.xml><?xml version="1.0" encoding="utf-8"?>
 <p:sld xmlns:a="http://schemas.openxmlformats.org/drawingml/2006/main" xmlns:r="http://schemas.openxmlformats.org/officeDocument/2006/relationships" xmlns:p="http://schemas.openxmlformats.org/presentationml/2006/main">
   <p:cSld>
     <p:spTree>
@@ -8735,7 +8827,7 @@
 </p:sld>
 </file>
 
-<file path=ppt/slides/slide21.xml><?xml version="1.0" encoding="utf-8"?>
+<file path=ppt/slides/slide22.xml><?xml version="1.0" encoding="utf-8"?>
 <p:sld xmlns:a="http://schemas.openxmlformats.org/drawingml/2006/main" xmlns:r="http://schemas.openxmlformats.org/officeDocument/2006/relationships" xmlns:p="http://schemas.openxmlformats.org/presentationml/2006/main">
   <p:cSld>
     <p:spTree>
@@ -9178,7 +9270,7 @@
 </p:sld>
 </file>
 
-<file path=ppt/slides/slide22.xml><?xml version="1.0" encoding="utf-8"?>
+<file path=ppt/slides/slide23.xml><?xml version="1.0" encoding="utf-8"?>
 <p:sld xmlns:a="http://schemas.openxmlformats.org/drawingml/2006/main" xmlns:r="http://schemas.openxmlformats.org/officeDocument/2006/relationships" xmlns:p="http://schemas.openxmlformats.org/presentationml/2006/main">
   <p:cSld>
     <p:spTree>
@@ -9267,7 +9359,7 @@
 </p:sld>
 </file>
 
-<file path=ppt/slides/slide23.xml><?xml version="1.0" encoding="utf-8"?>
+<file path=ppt/slides/slide24.xml><?xml version="1.0" encoding="utf-8"?>
 <p:sld xmlns:a="http://schemas.openxmlformats.org/drawingml/2006/main" xmlns:r="http://schemas.openxmlformats.org/officeDocument/2006/relationships" xmlns:p="http://schemas.openxmlformats.org/presentationml/2006/main">
   <p:cSld>
     <p:spTree>
@@ -9356,7 +9448,7 @@
 </p:sld>
 </file>
 
-<file path=ppt/slides/slide24.xml><?xml version="1.0" encoding="utf-8"?>
+<file path=ppt/slides/slide25.xml><?xml version="1.0" encoding="utf-8"?>
 <p:sld xmlns:a="http://schemas.openxmlformats.org/drawingml/2006/main" xmlns:r="http://schemas.openxmlformats.org/officeDocument/2006/relationships" xmlns:p="http://schemas.openxmlformats.org/presentationml/2006/main">
   <p:cSld>
     <p:spTree>
@@ -9452,7 +9544,7 @@
 </p:sld>
 </file>
 
-<file path=ppt/slides/slide25.xml><?xml version="1.0" encoding="utf-8"?>
+<file path=ppt/slides/slide26.xml><?xml version="1.0" encoding="utf-8"?>
 <p:sld xmlns:a="http://schemas.openxmlformats.org/drawingml/2006/main" xmlns:r="http://schemas.openxmlformats.org/officeDocument/2006/relationships" xmlns:p="http://schemas.openxmlformats.org/presentationml/2006/main">
   <p:cSld>
     <p:spTree>
@@ -9541,7 +9633,7 @@
 </p:sld>
 </file>
 
-<file path=ppt/slides/slide26.xml><?xml version="1.0" encoding="utf-8"?>
+<file path=ppt/slides/slide27.xml><?xml version="1.0" encoding="utf-8"?>
 <p:sld xmlns:a="http://schemas.openxmlformats.org/drawingml/2006/main" xmlns:r="http://schemas.openxmlformats.org/officeDocument/2006/relationships" xmlns:p="http://schemas.openxmlformats.org/presentationml/2006/main">
   <p:cSld>
     <p:spTree>
@@ -9685,7 +9777,7 @@
 </p:sld>
 </file>
 
-<file path=ppt/slides/slide27.xml><?xml version="1.0" encoding="utf-8"?>
+<file path=ppt/slides/slide28.xml><?xml version="1.0" encoding="utf-8"?>
 <p:sld xmlns:a="http://schemas.openxmlformats.org/drawingml/2006/main" xmlns:r="http://schemas.openxmlformats.org/officeDocument/2006/relationships" xmlns:p="http://schemas.openxmlformats.org/presentationml/2006/main">
   <p:cSld>
     <p:spTree>
@@ -10343,7 +10435,7 @@
 </p:sld>
 </file>
 
-<file path=ppt/slides/slide28.xml><?xml version="1.0" encoding="utf-8"?>
+<file path=ppt/slides/slide29.xml><?xml version="1.0" encoding="utf-8"?>
 <p:sld xmlns:a="http://schemas.openxmlformats.org/drawingml/2006/main" xmlns:r="http://schemas.openxmlformats.org/officeDocument/2006/relationships" xmlns:p="http://schemas.openxmlformats.org/presentationml/2006/main">
   <p:cSld>
     <p:spTree>
@@ -10495,7 +10587,106 @@
 </p:sld>
 </file>
 
-<file path=ppt/slides/slide29.xml><?xml version="1.0" encoding="utf-8"?>
+<file path=ppt/slides/slide3.xml><?xml version="1.0" encoding="utf-8"?>
+<p:sld xmlns:a="http://schemas.openxmlformats.org/drawingml/2006/main" xmlns:r="http://schemas.openxmlformats.org/officeDocument/2006/relationships" xmlns:p="http://schemas.openxmlformats.org/presentationml/2006/main">
+  <p:cSld>
+    <p:spTree>
+      <p:nvGrpSpPr>
+        <p:cNvPr id="1" name=""/>
+        <p:cNvGrpSpPr/>
+        <p:nvPr/>
+      </p:nvGrpSpPr>
+      <p:grpSpPr>
+        <a:xfrm>
+          <a:off x="0" y="0"/>
+          <a:ext cx="0" cy="0"/>
+          <a:chOff x="0" y="0"/>
+          <a:chExt cx="0" cy="0"/>
+        </a:xfrm>
+      </p:grpSpPr>
+      <p:sp>
+        <p:nvSpPr>
+          <p:cNvPr id="2" name="标题 1">
+            <a:extLst>
+              <a:ext uri="{FF2B5EF4-FFF2-40B4-BE49-F238E27FC236}">
+                <a16:creationId xmlns:a16="http://schemas.microsoft.com/office/drawing/2014/main" id="{6099A9B9-3008-4F16-9275-F2F501F7A496}"/>
+              </a:ext>
+            </a:extLst>
+          </p:cNvPr>
+          <p:cNvSpPr>
+            <a:spLocks noGrp="1"/>
+          </p:cNvSpPr>
+          <p:nvPr>
+            <p:ph type="title"/>
+          </p:nvPr>
+        </p:nvSpPr>
+        <p:spPr/>
+        <p:txBody>
+          <a:bodyPr/>
+          <a:lstStyle/>
+          <a:p>
+            <a:r>
+              <a:rPr lang="en-US" altLang="zh-CN" dirty="0"/>
+              <a:t>Java code In Mapper </a:t>
+            </a:r>
+            <a:r>
+              <a:rPr lang="en-US" altLang="zh-CN" dirty="0" err="1"/>
+              <a:t>WordCount</a:t>
+            </a:r>
+            <a:r>
+              <a:rPr lang="en-US" altLang="zh-CN" dirty="0"/>
+              <a:t> Mapper 2</a:t>
+            </a:r>
+            <a:endParaRPr lang="zh-CN" altLang="en-US" dirty="0"/>
+          </a:p>
+        </p:txBody>
+      </p:sp>
+      <p:pic>
+        <p:nvPicPr>
+          <p:cNvPr id="4" name="内容占位符 8">
+            <a:extLst>
+              <a:ext uri="{FF2B5EF4-FFF2-40B4-BE49-F238E27FC236}">
+                <a16:creationId xmlns:a16="http://schemas.microsoft.com/office/drawing/2014/main" id="{37DAEEA6-740B-4830-97A7-BB3D6E7A3902}"/>
+              </a:ext>
+            </a:extLst>
+          </p:cNvPr>
+          <p:cNvPicPr>
+            <a:picLocks noGrp="1" noChangeAspect="1"/>
+          </p:cNvPicPr>
+          <p:nvPr>
+            <p:ph idx="1"/>
+          </p:nvPr>
+        </p:nvPicPr>
+        <p:blipFill>
+          <a:blip r:embed="rId2"/>
+          <a:stretch>
+            <a:fillRect/>
+          </a:stretch>
+        </p:blipFill>
+        <p:spPr>
+          <a:xfrm>
+            <a:off x="984250" y="2856706"/>
+            <a:ext cx="9534525" cy="2219325"/>
+          </a:xfrm>
+          <a:prstGeom prst="rect">
+            <a:avLst/>
+          </a:prstGeom>
+        </p:spPr>
+      </p:pic>
+    </p:spTree>
+    <p:extLst>
+      <p:ext uri="{BB962C8B-B14F-4D97-AF65-F5344CB8AC3E}">
+        <p14:creationId xmlns:p14="http://schemas.microsoft.com/office/powerpoint/2010/main" val="2177769329"/>
+      </p:ext>
+    </p:extLst>
+  </p:cSld>
+  <p:clrMapOvr>
+    <a:masterClrMapping/>
+  </p:clrMapOvr>
+</p:sld>
+</file>
+
+<file path=ppt/slides/slide30.xml><?xml version="1.0" encoding="utf-8"?>
 <p:sld xmlns:a="http://schemas.openxmlformats.org/drawingml/2006/main" xmlns:r="http://schemas.openxmlformats.org/officeDocument/2006/relationships" xmlns:p="http://schemas.openxmlformats.org/presentationml/2006/main">
   <p:cSld>
     <p:spTree>
@@ -10598,106 +10789,7 @@
 </p:sld>
 </file>
 
-<file path=ppt/slides/slide3.xml><?xml version="1.0" encoding="utf-8"?>
-<p:sld xmlns:a="http://schemas.openxmlformats.org/drawingml/2006/main" xmlns:r="http://schemas.openxmlformats.org/officeDocument/2006/relationships" xmlns:p="http://schemas.openxmlformats.org/presentationml/2006/main">
-  <p:cSld>
-    <p:spTree>
-      <p:nvGrpSpPr>
-        <p:cNvPr id="1" name=""/>
-        <p:cNvGrpSpPr/>
-        <p:nvPr/>
-      </p:nvGrpSpPr>
-      <p:grpSpPr>
-        <a:xfrm>
-          <a:off x="0" y="0"/>
-          <a:ext cx="0" cy="0"/>
-          <a:chOff x="0" y="0"/>
-          <a:chExt cx="0" cy="0"/>
-        </a:xfrm>
-      </p:grpSpPr>
-      <p:sp>
-        <p:nvSpPr>
-          <p:cNvPr id="2" name="标题 1">
-            <a:extLst>
-              <a:ext uri="{FF2B5EF4-FFF2-40B4-BE49-F238E27FC236}">
-                <a16:creationId xmlns:a16="http://schemas.microsoft.com/office/drawing/2014/main" id="{6099A9B9-3008-4F16-9275-F2F501F7A496}"/>
-              </a:ext>
-            </a:extLst>
-          </p:cNvPr>
-          <p:cNvSpPr>
-            <a:spLocks noGrp="1"/>
-          </p:cNvSpPr>
-          <p:nvPr>
-            <p:ph type="title"/>
-          </p:nvPr>
-        </p:nvSpPr>
-        <p:spPr/>
-        <p:txBody>
-          <a:bodyPr/>
-          <a:lstStyle/>
-          <a:p>
-            <a:r>
-              <a:rPr lang="en-US" altLang="zh-CN" dirty="0"/>
-              <a:t>Java code In Mapper </a:t>
-            </a:r>
-            <a:r>
-              <a:rPr lang="en-US" altLang="zh-CN" dirty="0" err="1"/>
-              <a:t>WordCount</a:t>
-            </a:r>
-            <a:r>
-              <a:rPr lang="en-US" altLang="zh-CN" dirty="0"/>
-              <a:t> Mapper 2</a:t>
-            </a:r>
-            <a:endParaRPr lang="zh-CN" altLang="en-US" dirty="0"/>
-          </a:p>
-        </p:txBody>
-      </p:sp>
-      <p:pic>
-        <p:nvPicPr>
-          <p:cNvPr id="4" name="内容占位符 8">
-            <a:extLst>
-              <a:ext uri="{FF2B5EF4-FFF2-40B4-BE49-F238E27FC236}">
-                <a16:creationId xmlns:a16="http://schemas.microsoft.com/office/drawing/2014/main" id="{37DAEEA6-740B-4830-97A7-BB3D6E7A3902}"/>
-              </a:ext>
-            </a:extLst>
-          </p:cNvPr>
-          <p:cNvPicPr>
-            <a:picLocks noGrp="1" noChangeAspect="1"/>
-          </p:cNvPicPr>
-          <p:nvPr>
-            <p:ph idx="1"/>
-          </p:nvPr>
-        </p:nvPicPr>
-        <p:blipFill>
-          <a:blip r:embed="rId2"/>
-          <a:stretch>
-            <a:fillRect/>
-          </a:stretch>
-        </p:blipFill>
-        <p:spPr>
-          <a:xfrm>
-            <a:off x="984250" y="2856706"/>
-            <a:ext cx="9534525" cy="2219325"/>
-          </a:xfrm>
-          <a:prstGeom prst="rect">
-            <a:avLst/>
-          </a:prstGeom>
-        </p:spPr>
-      </p:pic>
-    </p:spTree>
-    <p:extLst>
-      <p:ext uri="{BB962C8B-B14F-4D97-AF65-F5344CB8AC3E}">
-        <p14:creationId xmlns:p14="http://schemas.microsoft.com/office/powerpoint/2010/main" val="2177769329"/>
-      </p:ext>
-    </p:extLst>
-  </p:cSld>
-  <p:clrMapOvr>
-    <a:masterClrMapping/>
-  </p:clrMapOvr>
-</p:sld>
-</file>
-
-<file path=ppt/slides/slide30.xml><?xml version="1.0" encoding="utf-8"?>
+<file path=ppt/slides/slide31.xml><?xml version="1.0" encoding="utf-8"?>
 <p:sld xmlns:a="http://schemas.openxmlformats.org/drawingml/2006/main" xmlns:r="http://schemas.openxmlformats.org/officeDocument/2006/relationships" xmlns:p="http://schemas.openxmlformats.org/presentationml/2006/main">
   <p:cSld>
     <p:spTree>
@@ -10828,7 +10920,7 @@
 </p:sld>
 </file>
 
-<file path=ppt/slides/slide31.xml><?xml version="1.0" encoding="utf-8"?>
+<file path=ppt/slides/slide32.xml><?xml version="1.0" encoding="utf-8"?>
 <p:sld xmlns:a="http://schemas.openxmlformats.org/drawingml/2006/main" xmlns:r="http://schemas.openxmlformats.org/officeDocument/2006/relationships" xmlns:p="http://schemas.openxmlformats.org/presentationml/2006/main">
   <p:cSld>
     <p:spTree>
@@ -11027,7 +11119,7 @@
 </p:sld>
 </file>
 
-<file path=ppt/slides/slide32.xml><?xml version="1.0" encoding="utf-8"?>
+<file path=ppt/slides/slide33.xml><?xml version="1.0" encoding="utf-8"?>
 <p:sld xmlns:a="http://schemas.openxmlformats.org/drawingml/2006/main" xmlns:r="http://schemas.openxmlformats.org/officeDocument/2006/relationships" xmlns:p="http://schemas.openxmlformats.org/presentationml/2006/main">
   <p:cSld>
     <p:spTree>
@@ -11118,7 +11210,7 @@
 </p:sld>
 </file>
 
-<file path=ppt/slides/slide33.xml><?xml version="1.0" encoding="utf-8"?>
+<file path=ppt/slides/slide34.xml><?xml version="1.0" encoding="utf-8"?>
 <p:sld xmlns:a="http://schemas.openxmlformats.org/drawingml/2006/main" xmlns:r="http://schemas.openxmlformats.org/officeDocument/2006/relationships" xmlns:p="http://schemas.openxmlformats.org/presentationml/2006/main">
   <p:cSld>
     <p:spTree>
@@ -11209,7 +11301,7 @@
 </p:sld>
 </file>
 
-<file path=ppt/slides/slide34.xml><?xml version="1.0" encoding="utf-8"?>
+<file path=ppt/slides/slide35.xml><?xml version="1.0" encoding="utf-8"?>
 <p:sld xmlns:a="http://schemas.openxmlformats.org/drawingml/2006/main" xmlns:r="http://schemas.openxmlformats.org/officeDocument/2006/relationships" xmlns:p="http://schemas.openxmlformats.org/presentationml/2006/main">
   <p:cSld>
     <p:spTree>
@@ -11335,7 +11427,7 @@
 </p:sld>
 </file>
 
-<file path=ppt/slides/slide35.xml><?xml version="1.0" encoding="utf-8"?>
+<file path=ppt/slides/slide36.xml><?xml version="1.0" encoding="utf-8"?>
 <p:sld xmlns:a="http://schemas.openxmlformats.org/drawingml/2006/main" xmlns:r="http://schemas.openxmlformats.org/officeDocument/2006/relationships" xmlns:p="http://schemas.openxmlformats.org/presentationml/2006/main">
   <p:cSld>
     <p:spTree>
@@ -11426,7 +11518,7 @@
 </p:sld>
 </file>
 
-<file path=ppt/slides/slide36.xml><?xml version="1.0" encoding="utf-8"?>
+<file path=ppt/slides/slide37.xml><?xml version="1.0" encoding="utf-8"?>
 <p:sld xmlns:a="http://schemas.openxmlformats.org/drawingml/2006/main" xmlns:r="http://schemas.openxmlformats.org/officeDocument/2006/relationships" xmlns:p="http://schemas.openxmlformats.org/presentationml/2006/main">
   <p:cSld>
     <p:spTree>
@@ -11819,6 +11911,103 @@
           <p:cNvPr id="2" name="标题 1">
             <a:extLst>
               <a:ext uri="{FF2B5EF4-FFF2-40B4-BE49-F238E27FC236}">
+                <a16:creationId xmlns:a16="http://schemas.microsoft.com/office/drawing/2014/main" id="{FE2891DB-F504-4795-A548-9380403EFBBB}"/>
+              </a:ext>
+            </a:extLst>
+          </p:cNvPr>
+          <p:cNvSpPr>
+            <a:spLocks noGrp="1"/>
+          </p:cNvSpPr>
+          <p:nvPr>
+            <p:ph type="title"/>
+          </p:nvPr>
+        </p:nvSpPr>
+        <p:spPr/>
+        <p:txBody>
+          <a:bodyPr/>
+          <a:lstStyle/>
+          <a:p>
+            <a:r>
+              <a:rPr lang="en-US" altLang="zh-CN" dirty="0"/>
+              <a:t>In Mapper </a:t>
+            </a:r>
+            <a:r>
+              <a:rPr lang="en-US" altLang="zh-CN" dirty="0" err="1"/>
+              <a:t>WordCount</a:t>
+            </a:r>
+            <a:r>
+              <a:rPr lang="en-US" altLang="zh-CN" dirty="0"/>
+              <a:t> OUTPUT</a:t>
+            </a:r>
+            <a:endParaRPr lang="zh-CN" altLang="en-US" dirty="0"/>
+          </a:p>
+        </p:txBody>
+      </p:sp>
+      <p:pic>
+        <p:nvPicPr>
+          <p:cNvPr id="4" name="图片 3">
+            <a:extLst>
+              <a:ext uri="{FF2B5EF4-FFF2-40B4-BE49-F238E27FC236}">
+                <a16:creationId xmlns:a16="http://schemas.microsoft.com/office/drawing/2014/main" id="{FF4F23EF-C731-4AFB-BFF1-1EB70E3C19ED}"/>
+              </a:ext>
+            </a:extLst>
+          </p:cNvPr>
+          <p:cNvPicPr>
+            <a:picLocks noChangeAspect="1"/>
+          </p:cNvPicPr>
+          <p:nvPr/>
+        </p:nvPicPr>
+        <p:blipFill>
+          <a:blip r:embed="rId2"/>
+          <a:stretch>
+            <a:fillRect/>
+          </a:stretch>
+        </p:blipFill>
+        <p:spPr>
+          <a:xfrm>
+            <a:off x="1619250" y="1932020"/>
+            <a:ext cx="4476750" cy="3609975"/>
+          </a:xfrm>
+          <a:prstGeom prst="rect">
+            <a:avLst/>
+          </a:prstGeom>
+        </p:spPr>
+      </p:pic>
+    </p:spTree>
+    <p:extLst>
+      <p:ext uri="{BB962C8B-B14F-4D97-AF65-F5344CB8AC3E}">
+        <p14:creationId xmlns:p14="http://schemas.microsoft.com/office/powerpoint/2010/main" val="262527672"/>
+      </p:ext>
+    </p:extLst>
+  </p:cSld>
+  <p:clrMapOvr>
+    <a:masterClrMapping/>
+  </p:clrMapOvr>
+</p:sld>
+</file>
+
+<file path=ppt/slides/slide6.xml><?xml version="1.0" encoding="utf-8"?>
+<p:sld xmlns:a="http://schemas.openxmlformats.org/drawingml/2006/main" xmlns:r="http://schemas.openxmlformats.org/officeDocument/2006/relationships" xmlns:p="http://schemas.openxmlformats.org/presentationml/2006/main">
+  <p:cSld>
+    <p:spTree>
+      <p:nvGrpSpPr>
+        <p:cNvPr id="1" name=""/>
+        <p:cNvGrpSpPr/>
+        <p:nvPr/>
+      </p:nvGrpSpPr>
+      <p:grpSpPr>
+        <a:xfrm>
+          <a:off x="0" y="0"/>
+          <a:ext cx="0" cy="0"/>
+          <a:chOff x="0" y="0"/>
+          <a:chExt cx="0" cy="0"/>
+        </a:xfrm>
+      </p:grpSpPr>
+      <p:sp>
+        <p:nvSpPr>
+          <p:cNvPr id="2" name="标题 1">
+            <a:extLst>
+              <a:ext uri="{FF2B5EF4-FFF2-40B4-BE49-F238E27FC236}">
                 <a16:creationId xmlns:a16="http://schemas.microsoft.com/office/drawing/2014/main" id="{6CE0FA0A-64F7-4D67-81CC-DBC0F922D067}"/>
               </a:ext>
             </a:extLst>
@@ -11888,7 +12077,7 @@
 </p:sld>
 </file>
 
-<file path=ppt/slides/slide6.xml><?xml version="1.0" encoding="utf-8"?>
+<file path=ppt/slides/slide7.xml><?xml version="1.0" encoding="utf-8"?>
 <p:sld xmlns:a="http://schemas.openxmlformats.org/drawingml/2006/main" xmlns:r="http://schemas.openxmlformats.org/officeDocument/2006/relationships" xmlns:p="http://schemas.openxmlformats.org/presentationml/2006/main">
   <p:cSld>
     <p:spTree>
@@ -11979,7 +12168,7 @@
 </p:sld>
 </file>
 
-<file path=ppt/slides/slide7.xml><?xml version="1.0" encoding="utf-8"?>
+<file path=ppt/slides/slide8.xml><?xml version="1.0" encoding="utf-8"?>
 <p:sld xmlns:a="http://schemas.openxmlformats.org/drawingml/2006/main" xmlns:r="http://schemas.openxmlformats.org/officeDocument/2006/relationships" xmlns:p="http://schemas.openxmlformats.org/presentationml/2006/main">
   <p:cSld>
     <p:spTree>
@@ -12070,7 +12259,7 @@
 </p:sld>
 </file>
 
-<file path=ppt/slides/slide8.xml><?xml version="1.0" encoding="utf-8"?>
+<file path=ppt/slides/slide9.xml><?xml version="1.0" encoding="utf-8"?>
 <p:sld xmlns:a="http://schemas.openxmlformats.org/drawingml/2006/main" xmlns:r="http://schemas.openxmlformats.org/officeDocument/2006/relationships" xmlns:p="http://schemas.openxmlformats.org/presentationml/2006/main">
   <p:cSld>
     <p:spTree>
@@ -12152,97 +12341,6 @@
     <p:extLst>
       <p:ext uri="{BB962C8B-B14F-4D97-AF65-F5344CB8AC3E}">
         <p14:creationId xmlns:p14="http://schemas.microsoft.com/office/powerpoint/2010/main" val="1568905781"/>
-      </p:ext>
-    </p:extLst>
-  </p:cSld>
-  <p:clrMapOvr>
-    <a:masterClrMapping/>
-  </p:clrMapOvr>
-</p:sld>
-</file>
-
-<file path=ppt/slides/slide9.xml><?xml version="1.0" encoding="utf-8"?>
-<p:sld xmlns:a="http://schemas.openxmlformats.org/drawingml/2006/main" xmlns:r="http://schemas.openxmlformats.org/officeDocument/2006/relationships" xmlns:p="http://schemas.openxmlformats.org/presentationml/2006/main">
-  <p:cSld>
-    <p:spTree>
-      <p:nvGrpSpPr>
-        <p:cNvPr id="1" name=""/>
-        <p:cNvGrpSpPr/>
-        <p:nvPr/>
-      </p:nvGrpSpPr>
-      <p:grpSpPr>
-        <a:xfrm>
-          <a:off x="0" y="0"/>
-          <a:ext cx="0" cy="0"/>
-          <a:chOff x="0" y="0"/>
-          <a:chExt cx="0" cy="0"/>
-        </a:xfrm>
-      </p:grpSpPr>
-      <p:sp>
-        <p:nvSpPr>
-          <p:cNvPr id="2" name="标题 1">
-            <a:extLst>
-              <a:ext uri="{FF2B5EF4-FFF2-40B4-BE49-F238E27FC236}">
-                <a16:creationId xmlns:a16="http://schemas.microsoft.com/office/drawing/2014/main" id="{DD7A4F5A-9A35-46EF-A3B3-A9A17D76D2DF}"/>
-              </a:ext>
-            </a:extLst>
-          </p:cNvPr>
-          <p:cNvSpPr>
-            <a:spLocks noGrp="1"/>
-          </p:cNvSpPr>
-          <p:nvPr>
-            <p:ph type="title"/>
-          </p:nvPr>
-        </p:nvSpPr>
-        <p:spPr/>
-        <p:txBody>
-          <a:bodyPr/>
-          <a:lstStyle/>
-          <a:p>
-            <a:r>
-              <a:rPr lang="en-US" altLang="zh-CN" dirty="0"/>
-              <a:t>Java code In Mapper Average Mapper 2</a:t>
-            </a:r>
-            <a:endParaRPr lang="zh-CN" altLang="en-US" dirty="0"/>
-          </a:p>
-        </p:txBody>
-      </p:sp>
-      <p:pic>
-        <p:nvPicPr>
-          <p:cNvPr id="4" name="内容占位符 3">
-            <a:extLst>
-              <a:ext uri="{FF2B5EF4-FFF2-40B4-BE49-F238E27FC236}">
-                <a16:creationId xmlns:a16="http://schemas.microsoft.com/office/drawing/2014/main" id="{046A36AF-2643-4FCA-9FE9-BDE52A1D03C3}"/>
-              </a:ext>
-            </a:extLst>
-          </p:cNvPr>
-          <p:cNvPicPr>
-            <a:picLocks noGrp="1" noChangeAspect="1"/>
-          </p:cNvPicPr>
-          <p:nvPr>
-            <p:ph idx="1"/>
-          </p:nvPr>
-        </p:nvPicPr>
-        <p:blipFill>
-          <a:blip r:embed="rId2"/>
-          <a:stretch>
-            <a:fillRect/>
-          </a:stretch>
-        </p:blipFill>
-        <p:spPr>
-          <a:xfrm>
-            <a:off x="389049" y="1765618"/>
-            <a:ext cx="11335173" cy="4340542"/>
-          </a:xfrm>
-          <a:prstGeom prst="rect">
-            <a:avLst/>
-          </a:prstGeom>
-        </p:spPr>
-      </p:pic>
-    </p:spTree>
-    <p:extLst>
-      <p:ext uri="{BB962C8B-B14F-4D97-AF65-F5344CB8AC3E}">
-        <p14:creationId xmlns:p14="http://schemas.microsoft.com/office/powerpoint/2010/main" val="150125918"/>
       </p:ext>
     </p:extLst>
   </p:cSld>

--- a/Big DATA Technology.pptx
+++ b/Big DATA Technology.pptx
@@ -9839,7 +9839,7 @@
             <p:ph idx="1"/>
             <p:extLst>
               <p:ext uri="{D42A27DB-BD31-4B8C-83A1-F6EECF244321}">
-                <p14:modId xmlns:p14="http://schemas.microsoft.com/office/powerpoint/2010/main" val="1182173936"/>
+                <p14:modId xmlns:p14="http://schemas.microsoft.com/office/powerpoint/2010/main" val="1432290314"/>
               </p:ext>
             </p:extLst>
           </p:nvPr>
@@ -9886,6 +9886,12 @@
                       <a:r>
                         <a:rPr lang="en-US" altLang="zh-CN" dirty="0"/>
                         <a:t>Comparison</a:t>
+                      </a:r>
+                    </a:p>
+                    <a:p>
+                      <a:r>
+                        <a:rPr lang="en-US" altLang="zh-CN" dirty="0"/>
+                        <a:t>(same input)</a:t>
                       </a:r>
                       <a:endParaRPr lang="zh-CN" altLang="en-US" dirty="0"/>
                     </a:p>

--- a/Big DATA Technology.pptx
+++ b/Big DATA Technology.pptx
@@ -7318,8 +7318,8 @@
         </p:blipFill>
         <p:spPr>
           <a:xfrm>
-            <a:off x="269240" y="1803646"/>
-            <a:ext cx="11317315" cy="3174754"/>
+            <a:off x="200970" y="2477413"/>
+            <a:ext cx="11790059" cy="3307369"/>
           </a:xfrm>
           <a:prstGeom prst="rect">
             <a:avLst/>
@@ -7409,8 +7409,8 @@
         </p:blipFill>
         <p:spPr>
           <a:xfrm>
-            <a:off x="685801" y="1962330"/>
-            <a:ext cx="10575290" cy="4286070"/>
+            <a:off x="241935" y="1962330"/>
+            <a:ext cx="11558637" cy="4684612"/>
           </a:xfrm>
           <a:prstGeom prst="rect">
             <a:avLst/>
@@ -7500,8 +7500,8 @@
         </p:blipFill>
         <p:spPr>
           <a:xfrm>
-            <a:off x="1289050" y="1932464"/>
-            <a:ext cx="8368820" cy="3726656"/>
+            <a:off x="1038793" y="1913214"/>
+            <a:ext cx="9735374" cy="4335186"/>
           </a:xfrm>
           <a:prstGeom prst="rect">
             <a:avLst/>
@@ -10671,8 +10671,8 @@
         </p:blipFill>
         <p:spPr>
           <a:xfrm>
-            <a:off x="984250" y="2856706"/>
-            <a:ext cx="9534525" cy="2219325"/>
+            <a:off x="339357" y="2346567"/>
+            <a:ext cx="11545637" cy="2687446"/>
           </a:xfrm>
           <a:prstGeom prst="rect">
             <a:avLst/>
@@ -11195,8 +11195,8 @@
         </p:blipFill>
         <p:spPr>
           <a:xfrm>
-            <a:off x="401719" y="1948498"/>
-            <a:ext cx="11632401" cy="4726622"/>
+            <a:off x="225579" y="1876926"/>
+            <a:ext cx="11808542" cy="4798194"/>
           </a:xfrm>
           <a:prstGeom prst="rect">
             <a:avLst/>
@@ -11286,8 +11286,8 @@
         </p:blipFill>
         <p:spPr>
           <a:xfrm>
-            <a:off x="685800" y="3066538"/>
-            <a:ext cx="10131425" cy="1799661"/>
+            <a:off x="291164" y="2325393"/>
+            <a:ext cx="11455458" cy="2034851"/>
           </a:xfrm>
           <a:prstGeom prst="rect">
             <a:avLst/>
@@ -11874,8 +11874,8 @@
         </p:blipFill>
         <p:spPr>
           <a:xfrm>
-            <a:off x="1022350" y="2418556"/>
-            <a:ext cx="9458325" cy="3095625"/>
+            <a:off x="365030" y="2325750"/>
+            <a:ext cx="11461939" cy="3751390"/>
           </a:xfrm>
           <a:prstGeom prst="rect">
             <a:avLst/>
@@ -11971,8 +11971,8 @@
         </p:blipFill>
         <p:spPr>
           <a:xfrm>
-            <a:off x="1619250" y="1932020"/>
-            <a:ext cx="4476750" cy="3609975"/>
+            <a:off x="1619249" y="1932020"/>
+            <a:ext cx="5637249" cy="4545782"/>
           </a:xfrm>
           <a:prstGeom prst="rect">
             <a:avLst/>
@@ -12062,8 +12062,8 @@
         </p:blipFill>
         <p:spPr>
           <a:xfrm>
-            <a:off x="472440" y="2065867"/>
-            <a:ext cx="11252150" cy="3501813"/>
+            <a:off x="121123" y="2325749"/>
+            <a:ext cx="11949753" cy="3718916"/>
           </a:xfrm>
           <a:prstGeom prst="rect">
             <a:avLst/>
@@ -12153,8 +12153,8 @@
         </p:blipFill>
         <p:spPr>
           <a:xfrm>
-            <a:off x="974199" y="2141538"/>
-            <a:ext cx="9554627" cy="3649662"/>
+            <a:off x="261930" y="2065867"/>
+            <a:ext cx="11634895" cy="4444280"/>
           </a:xfrm>
           <a:prstGeom prst="rect">
             <a:avLst/>
@@ -12244,8 +12244,8 @@
         </p:blipFill>
         <p:spPr>
           <a:xfrm>
-            <a:off x="1315603" y="1703672"/>
-            <a:ext cx="7741084" cy="3948622"/>
+            <a:off x="685800" y="1751797"/>
+            <a:ext cx="9449601" cy="4820113"/>
           </a:xfrm>
           <a:prstGeom prst="rect">
             <a:avLst/>
@@ -12335,8 +12335,8 @@
         </p:blipFill>
         <p:spPr>
           <a:xfrm>
-            <a:off x="1060450" y="2961481"/>
-            <a:ext cx="9382125" cy="2009775"/>
+            <a:off x="201442" y="2768511"/>
+            <a:ext cx="11789115" cy="2525384"/>
           </a:xfrm>
           <a:prstGeom prst="rect">
             <a:avLst/>

--- a/Big DATA Technology.pptx
+++ b/Big DATA Technology.pptx
@@ -8862,7 +8862,7 @@
         </p:nvSpPr>
         <p:spPr>
           <a:xfrm>
-            <a:off x="689009" y="447575"/>
+            <a:off x="639247" y="110691"/>
             <a:ext cx="10131425" cy="619225"/>
           </a:xfrm>
         </p:spPr>
@@ -8895,14 +8895,14 @@
           <p:nvPr>
             <p:extLst>
               <p:ext uri="{D42A27DB-BD31-4B8C-83A1-F6EECF244321}">
-                <p14:modId xmlns:p14="http://schemas.microsoft.com/office/powerpoint/2010/main" val="74800904"/>
+                <p14:modId xmlns:p14="http://schemas.microsoft.com/office/powerpoint/2010/main" val="1190694200"/>
               </p:ext>
             </p:extLst>
           </p:nvPr>
         </p:nvGraphicFramePr>
         <p:xfrm>
-          <a:off x="587912" y="1066800"/>
-          <a:ext cx="10131424" cy="5577840"/>
+          <a:off x="722665" y="729916"/>
+          <a:ext cx="10131424" cy="5852160"/>
         </p:xfrm>
         <a:graphic>
           <a:graphicData uri="http://schemas.openxmlformats.org/drawingml/2006/table">
@@ -9048,6 +9048,34 @@
                         <a:rPr lang="en-US" altLang="zh-CN" dirty="0"/>
                         <a:t> = null</a:t>
                       </a:r>
+                    </a:p>
+                    <a:p>
+                      <a:pPr marL="0" marR="0" lvl="0" indent="0" algn="l" defTabSz="457200" rtl="0" eaLnBrk="1" fontAlgn="auto" latinLnBrk="0" hangingPunct="1">
+                        <a:lnSpc>
+                          <a:spcPct val="100000"/>
+                        </a:lnSpc>
+                        <a:spcBef>
+                          <a:spcPts val="0"/>
+                        </a:spcBef>
+                        <a:spcAft>
+                          <a:spcPts val="0"/>
+                        </a:spcAft>
+                        <a:buClrTx/>
+                        <a:buSzTx/>
+                        <a:buFontTx/>
+                        <a:buNone/>
+                        <a:tabLst/>
+                        <a:defRPr/>
+                      </a:pPr>
+                      <a:r>
+                        <a:rPr lang="en-US" altLang="zh-CN" dirty="0"/>
+                        <a:t>        H = new </a:t>
+                      </a:r>
+                      <a:r>
+                        <a:rPr lang="en-US" altLang="zh-CN" dirty="0" err="1"/>
+                        <a:t>AssociativeArray</a:t>
+                      </a:r>
+                      <a:endParaRPr lang="en-US" altLang="zh-CN" dirty="0"/>
                     </a:p>
                     <a:p>
                       <a:pPr marL="0" marR="0" lvl="0" indent="0" algn="l" defTabSz="457200" rtl="0" eaLnBrk="1" fontAlgn="auto" latinLnBrk="0" hangingPunct="1">
